--- a/Pack_Publishing/images/ImageSource.pptx
+++ b/Pack_Publishing/images/ImageSource.pptx
@@ -6,6 +6,7 @@
   </p:sldMasterIdLst>
   <p:sldIdLst>
     <p:sldId id="256" r:id="rId2"/>
+    <p:sldId id="257" r:id="rId3"/>
   </p:sldIdLst>
   <p:sldSz cx="12192000" cy="6858000"/>
   <p:notesSz cx="6858000" cy="9144000"/>
@@ -272,7 +273,7 @@
           <a:p>
             <a:fld id="{33D65D73-3BEB-4EF6-848E-F546FC850FB9}" type="datetimeFigureOut">
               <a:rPr lang="en-GB" smtClean="0"/>
-              <a:t>09/02/2023</a:t>
+              <a:t>15/02/2023</a:t>
             </a:fld>
             <a:endParaRPr lang="en-GB"/>
           </a:p>
@@ -472,7 +473,7 @@
           <a:p>
             <a:fld id="{33D65D73-3BEB-4EF6-848E-F546FC850FB9}" type="datetimeFigureOut">
               <a:rPr lang="en-GB" smtClean="0"/>
-              <a:t>09/02/2023</a:t>
+              <a:t>15/02/2023</a:t>
             </a:fld>
             <a:endParaRPr lang="en-GB"/>
           </a:p>
@@ -682,7 +683,7 @@
           <a:p>
             <a:fld id="{33D65D73-3BEB-4EF6-848E-F546FC850FB9}" type="datetimeFigureOut">
               <a:rPr lang="en-GB" smtClean="0"/>
-              <a:t>09/02/2023</a:t>
+              <a:t>15/02/2023</a:t>
             </a:fld>
             <a:endParaRPr lang="en-GB"/>
           </a:p>
@@ -882,7 +883,7 @@
           <a:p>
             <a:fld id="{33D65D73-3BEB-4EF6-848E-F546FC850FB9}" type="datetimeFigureOut">
               <a:rPr lang="en-GB" smtClean="0"/>
-              <a:t>09/02/2023</a:t>
+              <a:t>15/02/2023</a:t>
             </a:fld>
             <a:endParaRPr lang="en-GB"/>
           </a:p>
@@ -1158,7 +1159,7 @@
           <a:p>
             <a:fld id="{33D65D73-3BEB-4EF6-848E-F546FC850FB9}" type="datetimeFigureOut">
               <a:rPr lang="en-GB" smtClean="0"/>
-              <a:t>09/02/2023</a:t>
+              <a:t>15/02/2023</a:t>
             </a:fld>
             <a:endParaRPr lang="en-GB"/>
           </a:p>
@@ -1426,7 +1427,7 @@
           <a:p>
             <a:fld id="{33D65D73-3BEB-4EF6-848E-F546FC850FB9}" type="datetimeFigureOut">
               <a:rPr lang="en-GB" smtClean="0"/>
-              <a:t>09/02/2023</a:t>
+              <a:t>15/02/2023</a:t>
             </a:fld>
             <a:endParaRPr lang="en-GB"/>
           </a:p>
@@ -1841,7 +1842,7 @@
           <a:p>
             <a:fld id="{33D65D73-3BEB-4EF6-848E-F546FC850FB9}" type="datetimeFigureOut">
               <a:rPr lang="en-GB" smtClean="0"/>
-              <a:t>09/02/2023</a:t>
+              <a:t>15/02/2023</a:t>
             </a:fld>
             <a:endParaRPr lang="en-GB"/>
           </a:p>
@@ -1983,7 +1984,7 @@
           <a:p>
             <a:fld id="{33D65D73-3BEB-4EF6-848E-F546FC850FB9}" type="datetimeFigureOut">
               <a:rPr lang="en-GB" smtClean="0"/>
-              <a:t>09/02/2023</a:t>
+              <a:t>15/02/2023</a:t>
             </a:fld>
             <a:endParaRPr lang="en-GB"/>
           </a:p>
@@ -2096,7 +2097,7 @@
           <a:p>
             <a:fld id="{33D65D73-3BEB-4EF6-848E-F546FC850FB9}" type="datetimeFigureOut">
               <a:rPr lang="en-GB" smtClean="0"/>
-              <a:t>09/02/2023</a:t>
+              <a:t>15/02/2023</a:t>
             </a:fld>
             <a:endParaRPr lang="en-GB"/>
           </a:p>
@@ -2409,7 +2410,7 @@
           <a:p>
             <a:fld id="{33D65D73-3BEB-4EF6-848E-F546FC850FB9}" type="datetimeFigureOut">
               <a:rPr lang="en-GB" smtClean="0"/>
-              <a:t>09/02/2023</a:t>
+              <a:t>15/02/2023</a:t>
             </a:fld>
             <a:endParaRPr lang="en-GB"/>
           </a:p>
@@ -2698,7 +2699,7 @@
           <a:p>
             <a:fld id="{33D65D73-3BEB-4EF6-848E-F546FC850FB9}" type="datetimeFigureOut">
               <a:rPr lang="en-GB" smtClean="0"/>
-              <a:t>09/02/2023</a:t>
+              <a:t>15/02/2023</a:t>
             </a:fld>
             <a:endParaRPr lang="en-GB"/>
           </a:p>
@@ -2941,7 +2942,7 @@
           <a:p>
             <a:fld id="{33D65D73-3BEB-4EF6-848E-F546FC850FB9}" type="datetimeFigureOut">
               <a:rPr lang="en-GB" smtClean="0"/>
-              <a:t>09/02/2023</a:t>
+              <a:t>15/02/2023</a:t>
             </a:fld>
             <a:endParaRPr lang="en-GB"/>
           </a:p>
@@ -3983,6 +3984,702 @@
 </p:sld>
 </file>
 
+<file path=ppt/slides/slide2.xml><?xml version="1.0" encoding="utf-8"?>
+<p:sld xmlns:a="http://schemas.openxmlformats.org/drawingml/2006/main" xmlns:r="http://schemas.openxmlformats.org/officeDocument/2006/relationships" xmlns:p="http://schemas.openxmlformats.org/presentationml/2006/main">
+  <p:cSld>
+    <p:spTree>
+      <p:nvGrpSpPr>
+        <p:cNvPr id="1" name=""/>
+        <p:cNvGrpSpPr/>
+        <p:nvPr/>
+      </p:nvGrpSpPr>
+      <p:grpSpPr>
+        <a:xfrm>
+          <a:off x="0" y="0"/>
+          <a:ext cx="0" cy="0"/>
+          <a:chOff x="0" y="0"/>
+          <a:chExt cx="0" cy="0"/>
+        </a:xfrm>
+      </p:grpSpPr>
+      <p:sp>
+        <p:nvSpPr>
+          <p:cNvPr id="4" name="Rectangle 3">
+            <a:extLst>
+              <a:ext uri="{FF2B5EF4-FFF2-40B4-BE49-F238E27FC236}">
+                <a16:creationId xmlns:a16="http://schemas.microsoft.com/office/drawing/2014/main" id="{E64AEA5C-934F-D519-B8A1-AB1BD874E550}"/>
+              </a:ext>
+            </a:extLst>
+          </p:cNvPr>
+          <p:cNvSpPr/>
+          <p:nvPr/>
+        </p:nvSpPr>
+        <p:spPr>
+          <a:xfrm>
+            <a:off x="370055" y="446276"/>
+            <a:ext cx="4536242" cy="5976000"/>
+          </a:xfrm>
+          <a:prstGeom prst="rect">
+            <a:avLst/>
+          </a:prstGeom>
+          <a:solidFill>
+            <a:srgbClr val="333E48"/>
+          </a:solidFill>
+        </p:spPr>
+        <p:style>
+          <a:lnRef idx="2">
+            <a:schemeClr val="accent1">
+              <a:shade val="50000"/>
+            </a:schemeClr>
+          </a:lnRef>
+          <a:fillRef idx="1">
+            <a:schemeClr val="accent1"/>
+          </a:fillRef>
+          <a:effectRef idx="0">
+            <a:schemeClr val="accent1"/>
+          </a:effectRef>
+          <a:fontRef idx="minor">
+            <a:schemeClr val="lt1"/>
+          </a:fontRef>
+        </p:style>
+        <p:txBody>
+          <a:bodyPr rtlCol="0" anchor="t"/>
+          <a:lstStyle/>
+          <a:p>
+            <a:pPr algn="ctr"/>
+            <a:r>
+              <a:rPr lang="en-GB" dirty="0">
+                <a:latin typeface="Consolas" panose="020B0609020204030204" pitchFamily="49" charset="0"/>
+              </a:rPr>
+              <a:t>myvendor.com/download/packs</a:t>
+            </a:r>
+          </a:p>
+        </p:txBody>
+      </p:sp>
+      <p:sp>
+        <p:nvSpPr>
+          <p:cNvPr id="5" name="TextBox 4">
+            <a:extLst>
+              <a:ext uri="{FF2B5EF4-FFF2-40B4-BE49-F238E27FC236}">
+                <a16:creationId xmlns:a16="http://schemas.microsoft.com/office/drawing/2014/main" id="{C703AF4E-7F42-A2DB-D8A5-77885916A0A3}"/>
+              </a:ext>
+            </a:extLst>
+          </p:cNvPr>
+          <p:cNvSpPr txBox="1"/>
+          <p:nvPr/>
+        </p:nvSpPr>
+        <p:spPr>
+          <a:xfrm>
+            <a:off x="568180" y="875384"/>
+            <a:ext cx="4139996" cy="369332"/>
+          </a:xfrm>
+          <a:prstGeom prst="rect">
+            <a:avLst/>
+          </a:prstGeom>
+          <a:noFill/>
+          <a:ln w="19050">
+            <a:solidFill>
+              <a:srgbClr val="00C1DE"/>
+            </a:solidFill>
+          </a:ln>
+        </p:spPr>
+        <p:txBody>
+          <a:bodyPr wrap="square" rtlCol="0">
+            <a:spAutoFit/>
+          </a:bodyPr>
+          <a:lstStyle/>
+          <a:p>
+            <a:r>
+              <a:rPr lang="en-US" dirty="0" err="1">
+                <a:solidFill>
+                  <a:schemeClr val="bg1"/>
+                </a:solidFill>
+                <a:latin typeface="Consolas" panose="020B0609020204030204" pitchFamily="49" charset="0"/>
+              </a:rPr>
+              <a:t>MyVendor.pidx</a:t>
+            </a:r>
+            <a:endParaRPr lang="en-GB" dirty="0">
+              <a:solidFill>
+                <a:schemeClr val="bg1"/>
+              </a:solidFill>
+              <a:latin typeface="Consolas" panose="020B0609020204030204" pitchFamily="49" charset="0"/>
+            </a:endParaRPr>
+          </a:p>
+        </p:txBody>
+      </p:sp>
+      <p:sp>
+        <p:nvSpPr>
+          <p:cNvPr id="6" name="TextBox 5">
+            <a:extLst>
+              <a:ext uri="{FF2B5EF4-FFF2-40B4-BE49-F238E27FC236}">
+                <a16:creationId xmlns:a16="http://schemas.microsoft.com/office/drawing/2014/main" id="{ED4D94DE-2739-8DFD-E294-3F988914CBF0}"/>
+              </a:ext>
+            </a:extLst>
+          </p:cNvPr>
+          <p:cNvSpPr txBox="1"/>
+          <p:nvPr/>
+        </p:nvSpPr>
+        <p:spPr>
+          <a:xfrm>
+            <a:off x="568179" y="1336104"/>
+            <a:ext cx="4139996" cy="369332"/>
+          </a:xfrm>
+          <a:prstGeom prst="rect">
+            <a:avLst/>
+          </a:prstGeom>
+          <a:noFill/>
+          <a:ln w="19050">
+            <a:solidFill>
+              <a:srgbClr val="00C1DE"/>
+            </a:solidFill>
+          </a:ln>
+        </p:spPr>
+        <p:txBody>
+          <a:bodyPr wrap="square" rtlCol="0">
+            <a:spAutoFit/>
+          </a:bodyPr>
+          <a:lstStyle/>
+          <a:p>
+            <a:r>
+              <a:rPr lang="en-US" dirty="0" err="1">
+                <a:solidFill>
+                  <a:schemeClr val="bg1"/>
+                </a:solidFill>
+                <a:latin typeface="Consolas" panose="020B0609020204030204" pitchFamily="49" charset="0"/>
+              </a:rPr>
+              <a:t>MyVendor.mypack.pdsc</a:t>
+            </a:r>
+            <a:endParaRPr lang="en-GB" dirty="0">
+              <a:solidFill>
+                <a:schemeClr val="bg1"/>
+              </a:solidFill>
+              <a:latin typeface="Consolas" panose="020B0609020204030204" pitchFamily="49" charset="0"/>
+            </a:endParaRPr>
+          </a:p>
+        </p:txBody>
+      </p:sp>
+      <p:sp>
+        <p:nvSpPr>
+          <p:cNvPr id="7" name="TextBox 6">
+            <a:extLst>
+              <a:ext uri="{FF2B5EF4-FFF2-40B4-BE49-F238E27FC236}">
+                <a16:creationId xmlns:a16="http://schemas.microsoft.com/office/drawing/2014/main" id="{46CB0802-6541-16F3-BEAF-2FFC2B4B9C0F}"/>
+              </a:ext>
+            </a:extLst>
+          </p:cNvPr>
+          <p:cNvSpPr txBox="1"/>
+          <p:nvPr/>
+        </p:nvSpPr>
+        <p:spPr>
+          <a:xfrm>
+            <a:off x="568178" y="1796824"/>
+            <a:ext cx="4139996" cy="369332"/>
+          </a:xfrm>
+          <a:prstGeom prst="rect">
+            <a:avLst/>
+          </a:prstGeom>
+          <a:noFill/>
+          <a:ln w="19050">
+            <a:solidFill>
+              <a:srgbClr val="00C1DE"/>
+            </a:solidFill>
+          </a:ln>
+        </p:spPr>
+        <p:txBody>
+          <a:bodyPr wrap="square" rtlCol="0">
+            <a:spAutoFit/>
+          </a:bodyPr>
+          <a:lstStyle/>
+          <a:p>
+            <a:r>
+              <a:rPr lang="en-US" dirty="0">
+                <a:solidFill>
+                  <a:schemeClr val="bg1"/>
+                </a:solidFill>
+                <a:latin typeface="Consolas" panose="020B0609020204030204" pitchFamily="49" charset="0"/>
+              </a:rPr>
+              <a:t>MyVendor.mypack.0.9.0.pack</a:t>
+            </a:r>
+            <a:endParaRPr lang="en-GB" dirty="0">
+              <a:solidFill>
+                <a:schemeClr val="bg1"/>
+              </a:solidFill>
+              <a:latin typeface="Consolas" panose="020B0609020204030204" pitchFamily="49" charset="0"/>
+            </a:endParaRPr>
+          </a:p>
+        </p:txBody>
+      </p:sp>
+      <p:sp>
+        <p:nvSpPr>
+          <p:cNvPr id="8" name="TextBox 7">
+            <a:extLst>
+              <a:ext uri="{FF2B5EF4-FFF2-40B4-BE49-F238E27FC236}">
+                <a16:creationId xmlns:a16="http://schemas.microsoft.com/office/drawing/2014/main" id="{23AB68CF-F335-F831-731F-2F49E9BBDCEA}"/>
+              </a:ext>
+            </a:extLst>
+          </p:cNvPr>
+          <p:cNvSpPr txBox="1"/>
+          <p:nvPr/>
+        </p:nvSpPr>
+        <p:spPr>
+          <a:xfrm>
+            <a:off x="568178" y="2257544"/>
+            <a:ext cx="4139996" cy="369332"/>
+          </a:xfrm>
+          <a:prstGeom prst="rect">
+            <a:avLst/>
+          </a:prstGeom>
+          <a:noFill/>
+          <a:ln w="19050">
+            <a:solidFill>
+              <a:srgbClr val="00C1DE"/>
+            </a:solidFill>
+          </a:ln>
+        </p:spPr>
+        <p:txBody>
+          <a:bodyPr wrap="square" rtlCol="0">
+            <a:spAutoFit/>
+          </a:bodyPr>
+          <a:lstStyle/>
+          <a:p>
+            <a:r>
+              <a:rPr lang="en-US" dirty="0">
+                <a:solidFill>
+                  <a:schemeClr val="bg1"/>
+                </a:solidFill>
+                <a:latin typeface="Consolas" panose="020B0609020204030204" pitchFamily="49" charset="0"/>
+              </a:rPr>
+              <a:t>MyVendor.mypack.0.8.0.pack</a:t>
+            </a:r>
+            <a:endParaRPr lang="en-GB" dirty="0">
+              <a:solidFill>
+                <a:schemeClr val="bg1"/>
+              </a:solidFill>
+              <a:latin typeface="Consolas" panose="020B0609020204030204" pitchFamily="49" charset="0"/>
+            </a:endParaRPr>
+          </a:p>
+        </p:txBody>
+      </p:sp>
+      <p:sp>
+        <p:nvSpPr>
+          <p:cNvPr id="9" name="TextBox 8">
+            <a:extLst>
+              <a:ext uri="{FF2B5EF4-FFF2-40B4-BE49-F238E27FC236}">
+                <a16:creationId xmlns:a16="http://schemas.microsoft.com/office/drawing/2014/main" id="{7F4239E4-DA8B-ADB2-6501-F263F77A8479}"/>
+              </a:ext>
+            </a:extLst>
+          </p:cNvPr>
+          <p:cNvSpPr txBox="1"/>
+          <p:nvPr/>
+        </p:nvSpPr>
+        <p:spPr>
+          <a:xfrm>
+            <a:off x="568178" y="2718264"/>
+            <a:ext cx="4139996" cy="369332"/>
+          </a:xfrm>
+          <a:prstGeom prst="rect">
+            <a:avLst/>
+          </a:prstGeom>
+          <a:noFill/>
+          <a:ln w="19050">
+            <a:solidFill>
+              <a:srgbClr val="00C1DE"/>
+            </a:solidFill>
+          </a:ln>
+        </p:spPr>
+        <p:txBody>
+          <a:bodyPr wrap="square" rtlCol="0">
+            <a:spAutoFit/>
+          </a:bodyPr>
+          <a:lstStyle/>
+          <a:p>
+            <a:r>
+              <a:rPr lang="en-US" dirty="0" err="1">
+                <a:solidFill>
+                  <a:schemeClr val="bg1"/>
+                </a:solidFill>
+                <a:latin typeface="Consolas" panose="020B0609020204030204" pitchFamily="49" charset="0"/>
+              </a:rPr>
+              <a:t>MyVendor.myotherpack.pdsc</a:t>
+            </a:r>
+            <a:endParaRPr lang="en-GB" dirty="0">
+              <a:solidFill>
+                <a:schemeClr val="bg1"/>
+              </a:solidFill>
+              <a:latin typeface="Consolas" panose="020B0609020204030204" pitchFamily="49" charset="0"/>
+            </a:endParaRPr>
+          </a:p>
+        </p:txBody>
+      </p:sp>
+      <p:sp>
+        <p:nvSpPr>
+          <p:cNvPr id="2" name="TextBox 1">
+            <a:extLst>
+              <a:ext uri="{FF2B5EF4-FFF2-40B4-BE49-F238E27FC236}">
+                <a16:creationId xmlns:a16="http://schemas.microsoft.com/office/drawing/2014/main" id="{CCE3439A-D9CB-211F-9200-E5FF0001AF7D}"/>
+              </a:ext>
+            </a:extLst>
+          </p:cNvPr>
+          <p:cNvSpPr txBox="1"/>
+          <p:nvPr/>
+        </p:nvSpPr>
+        <p:spPr>
+          <a:xfrm>
+            <a:off x="568178" y="3178984"/>
+            <a:ext cx="4140000" cy="369332"/>
+          </a:xfrm>
+          <a:prstGeom prst="rect">
+            <a:avLst/>
+          </a:prstGeom>
+          <a:noFill/>
+          <a:ln w="19050">
+            <a:solidFill>
+              <a:srgbClr val="00C1DE"/>
+            </a:solidFill>
+          </a:ln>
+        </p:spPr>
+        <p:txBody>
+          <a:bodyPr wrap="square" rtlCol="0">
+            <a:spAutoFit/>
+          </a:bodyPr>
+          <a:lstStyle/>
+          <a:p>
+            <a:r>
+              <a:rPr lang="en-US" dirty="0">
+                <a:solidFill>
+                  <a:schemeClr val="bg1"/>
+                </a:solidFill>
+                <a:latin typeface="Consolas" panose="020B0609020204030204" pitchFamily="49" charset="0"/>
+              </a:rPr>
+              <a:t>MyVendor.myotherpack.1.1.3.pack</a:t>
+            </a:r>
+            <a:endParaRPr lang="en-GB" dirty="0">
+              <a:solidFill>
+                <a:schemeClr val="bg1"/>
+              </a:solidFill>
+              <a:latin typeface="Consolas" panose="020B0609020204030204" pitchFamily="49" charset="0"/>
+            </a:endParaRPr>
+          </a:p>
+        </p:txBody>
+      </p:sp>
+      <p:sp>
+        <p:nvSpPr>
+          <p:cNvPr id="3" name="TextBox 2">
+            <a:extLst>
+              <a:ext uri="{FF2B5EF4-FFF2-40B4-BE49-F238E27FC236}">
+                <a16:creationId xmlns:a16="http://schemas.microsoft.com/office/drawing/2014/main" id="{51D9587B-253D-FC7F-1A99-E4BC0FB4BB21}"/>
+              </a:ext>
+            </a:extLst>
+          </p:cNvPr>
+          <p:cNvSpPr txBox="1"/>
+          <p:nvPr/>
+        </p:nvSpPr>
+        <p:spPr>
+          <a:xfrm>
+            <a:off x="568177" y="3639704"/>
+            <a:ext cx="4139999" cy="369332"/>
+          </a:xfrm>
+          <a:prstGeom prst="rect">
+            <a:avLst/>
+          </a:prstGeom>
+          <a:noFill/>
+          <a:ln w="19050">
+            <a:solidFill>
+              <a:srgbClr val="00C1DE"/>
+            </a:solidFill>
+          </a:ln>
+        </p:spPr>
+        <p:txBody>
+          <a:bodyPr wrap="square" rtlCol="0">
+            <a:spAutoFit/>
+          </a:bodyPr>
+          <a:lstStyle/>
+          <a:p>
+            <a:r>
+              <a:rPr lang="en-US" dirty="0">
+                <a:solidFill>
+                  <a:schemeClr val="bg1"/>
+                </a:solidFill>
+                <a:latin typeface="Consolas" panose="020B0609020204030204" pitchFamily="49" charset="0"/>
+              </a:rPr>
+              <a:t>MyVendor.myotherpack.1.1.0.pack</a:t>
+            </a:r>
+            <a:endParaRPr lang="en-GB" dirty="0">
+              <a:solidFill>
+                <a:schemeClr val="bg1"/>
+              </a:solidFill>
+              <a:latin typeface="Consolas" panose="020B0609020204030204" pitchFamily="49" charset="0"/>
+            </a:endParaRPr>
+          </a:p>
+        </p:txBody>
+      </p:sp>
+      <p:sp>
+        <p:nvSpPr>
+          <p:cNvPr id="11" name="TextBox 10">
+            <a:extLst>
+              <a:ext uri="{FF2B5EF4-FFF2-40B4-BE49-F238E27FC236}">
+                <a16:creationId xmlns:a16="http://schemas.microsoft.com/office/drawing/2014/main" id="{FCD37E95-1C83-69CD-31A7-0A13C26FA6CE}"/>
+              </a:ext>
+            </a:extLst>
+          </p:cNvPr>
+          <p:cNvSpPr txBox="1"/>
+          <p:nvPr/>
+        </p:nvSpPr>
+        <p:spPr>
+          <a:xfrm>
+            <a:off x="568178" y="4100424"/>
+            <a:ext cx="4139998" cy="369332"/>
+          </a:xfrm>
+          <a:prstGeom prst="rect">
+            <a:avLst/>
+          </a:prstGeom>
+          <a:noFill/>
+          <a:ln w="19050">
+            <a:solidFill>
+              <a:srgbClr val="00C1DE"/>
+            </a:solidFill>
+          </a:ln>
+        </p:spPr>
+        <p:txBody>
+          <a:bodyPr wrap="square" rtlCol="0">
+            <a:spAutoFit/>
+          </a:bodyPr>
+          <a:lstStyle/>
+          <a:p>
+            <a:r>
+              <a:rPr lang="en-US" dirty="0">
+                <a:solidFill>
+                  <a:schemeClr val="bg1"/>
+                </a:solidFill>
+                <a:latin typeface="Consolas" panose="020B0609020204030204" pitchFamily="49" charset="0"/>
+              </a:rPr>
+              <a:t>MyVendor.myotherpack.1.0.0.pack</a:t>
+            </a:r>
+            <a:endParaRPr lang="en-GB" dirty="0">
+              <a:solidFill>
+                <a:schemeClr val="bg1"/>
+              </a:solidFill>
+              <a:latin typeface="Consolas" panose="020B0609020204030204" pitchFamily="49" charset="0"/>
+            </a:endParaRPr>
+          </a:p>
+        </p:txBody>
+      </p:sp>
+      <p:sp>
+        <p:nvSpPr>
+          <p:cNvPr id="15" name="TextBox 14">
+            <a:extLst>
+              <a:ext uri="{FF2B5EF4-FFF2-40B4-BE49-F238E27FC236}">
+                <a16:creationId xmlns:a16="http://schemas.microsoft.com/office/drawing/2014/main" id="{2E8CC6CD-334F-23B9-F8D5-54E34D8014E8}"/>
+              </a:ext>
+            </a:extLst>
+          </p:cNvPr>
+          <p:cNvSpPr txBox="1"/>
+          <p:nvPr/>
+        </p:nvSpPr>
+        <p:spPr>
+          <a:xfrm>
+            <a:off x="568177" y="4561144"/>
+            <a:ext cx="4139997" cy="369332"/>
+          </a:xfrm>
+          <a:prstGeom prst="rect">
+            <a:avLst/>
+          </a:prstGeom>
+          <a:noFill/>
+          <a:ln w="19050">
+            <a:solidFill>
+              <a:srgbClr val="00C1DE"/>
+            </a:solidFill>
+          </a:ln>
+        </p:spPr>
+        <p:txBody>
+          <a:bodyPr wrap="square" rtlCol="0">
+            <a:spAutoFit/>
+          </a:bodyPr>
+          <a:lstStyle/>
+          <a:p>
+            <a:r>
+              <a:rPr lang="en-US" dirty="0" err="1">
+                <a:solidFill>
+                  <a:schemeClr val="bg1"/>
+                </a:solidFill>
+                <a:latin typeface="Consolas" panose="020B0609020204030204" pitchFamily="49" charset="0"/>
+              </a:rPr>
+              <a:t>MyVendor.mysdkpack.pdsc</a:t>
+            </a:r>
+            <a:endParaRPr lang="en-GB" dirty="0">
+              <a:solidFill>
+                <a:schemeClr val="bg1"/>
+              </a:solidFill>
+              <a:latin typeface="Consolas" panose="020B0609020204030204" pitchFamily="49" charset="0"/>
+            </a:endParaRPr>
+          </a:p>
+        </p:txBody>
+      </p:sp>
+      <p:sp>
+        <p:nvSpPr>
+          <p:cNvPr id="16" name="TextBox 15">
+            <a:extLst>
+              <a:ext uri="{FF2B5EF4-FFF2-40B4-BE49-F238E27FC236}">
+                <a16:creationId xmlns:a16="http://schemas.microsoft.com/office/drawing/2014/main" id="{381C2881-6923-FCAE-80F1-DF6D83966130}"/>
+              </a:ext>
+            </a:extLst>
+          </p:cNvPr>
+          <p:cNvSpPr txBox="1"/>
+          <p:nvPr/>
+        </p:nvSpPr>
+        <p:spPr>
+          <a:xfrm>
+            <a:off x="568177" y="5021864"/>
+            <a:ext cx="4139997" cy="369332"/>
+          </a:xfrm>
+          <a:prstGeom prst="rect">
+            <a:avLst/>
+          </a:prstGeom>
+          <a:noFill/>
+          <a:ln w="19050">
+            <a:solidFill>
+              <a:srgbClr val="00C1DE"/>
+            </a:solidFill>
+          </a:ln>
+        </p:spPr>
+        <p:txBody>
+          <a:bodyPr wrap="square" rtlCol="0">
+            <a:spAutoFit/>
+          </a:bodyPr>
+          <a:lstStyle/>
+          <a:p>
+            <a:r>
+              <a:rPr lang="en-US" dirty="0">
+                <a:solidFill>
+                  <a:schemeClr val="bg1"/>
+                </a:solidFill>
+                <a:latin typeface="Consolas" panose="020B0609020204030204" pitchFamily="49" charset="0"/>
+              </a:rPr>
+              <a:t>MyVendor.mysdkpack.2.0.4.pack</a:t>
+            </a:r>
+            <a:endParaRPr lang="en-GB" dirty="0">
+              <a:solidFill>
+                <a:schemeClr val="bg1"/>
+              </a:solidFill>
+              <a:latin typeface="Consolas" panose="020B0609020204030204" pitchFamily="49" charset="0"/>
+            </a:endParaRPr>
+          </a:p>
+        </p:txBody>
+      </p:sp>
+      <p:sp>
+        <p:nvSpPr>
+          <p:cNvPr id="17" name="TextBox 16">
+            <a:extLst>
+              <a:ext uri="{FF2B5EF4-FFF2-40B4-BE49-F238E27FC236}">
+                <a16:creationId xmlns:a16="http://schemas.microsoft.com/office/drawing/2014/main" id="{E06492C5-3FD1-3EE8-B485-F415F81BB80D}"/>
+              </a:ext>
+            </a:extLst>
+          </p:cNvPr>
+          <p:cNvSpPr txBox="1"/>
+          <p:nvPr/>
+        </p:nvSpPr>
+        <p:spPr>
+          <a:xfrm>
+            <a:off x="568177" y="5482584"/>
+            <a:ext cx="4139997" cy="369332"/>
+          </a:xfrm>
+          <a:prstGeom prst="rect">
+            <a:avLst/>
+          </a:prstGeom>
+          <a:noFill/>
+          <a:ln w="19050">
+            <a:solidFill>
+              <a:srgbClr val="00C1DE"/>
+            </a:solidFill>
+          </a:ln>
+        </p:spPr>
+        <p:txBody>
+          <a:bodyPr wrap="square" rtlCol="0">
+            <a:spAutoFit/>
+          </a:bodyPr>
+          <a:lstStyle/>
+          <a:p>
+            <a:r>
+              <a:rPr lang="en-US" dirty="0">
+                <a:solidFill>
+                  <a:schemeClr val="bg1"/>
+                </a:solidFill>
+                <a:latin typeface="Consolas" panose="020B0609020204030204" pitchFamily="49" charset="0"/>
+              </a:rPr>
+              <a:t>MyVendor.mysdkpack.2.0.0.pack</a:t>
+            </a:r>
+            <a:endParaRPr lang="en-GB" dirty="0">
+              <a:solidFill>
+                <a:schemeClr val="bg1"/>
+              </a:solidFill>
+              <a:latin typeface="Consolas" panose="020B0609020204030204" pitchFamily="49" charset="0"/>
+            </a:endParaRPr>
+          </a:p>
+        </p:txBody>
+      </p:sp>
+      <p:sp>
+        <p:nvSpPr>
+          <p:cNvPr id="18" name="TextBox 17">
+            <a:extLst>
+              <a:ext uri="{FF2B5EF4-FFF2-40B4-BE49-F238E27FC236}">
+                <a16:creationId xmlns:a16="http://schemas.microsoft.com/office/drawing/2014/main" id="{ED5D440D-720A-7D99-A8EA-C4134C6608CF}"/>
+              </a:ext>
+            </a:extLst>
+          </p:cNvPr>
+          <p:cNvSpPr txBox="1"/>
+          <p:nvPr/>
+        </p:nvSpPr>
+        <p:spPr>
+          <a:xfrm>
+            <a:off x="568176" y="5941671"/>
+            <a:ext cx="4139997" cy="369332"/>
+          </a:xfrm>
+          <a:prstGeom prst="rect">
+            <a:avLst/>
+          </a:prstGeom>
+          <a:noFill/>
+          <a:ln w="19050">
+            <a:solidFill>
+              <a:srgbClr val="00C1DE"/>
+            </a:solidFill>
+          </a:ln>
+        </p:spPr>
+        <p:txBody>
+          <a:bodyPr wrap="square" rtlCol="0">
+            <a:spAutoFit/>
+          </a:bodyPr>
+          <a:lstStyle/>
+          <a:p>
+            <a:r>
+              <a:rPr lang="en-US" dirty="0">
+                <a:solidFill>
+                  <a:schemeClr val="bg1"/>
+                </a:solidFill>
+                <a:latin typeface="Consolas" panose="020B0609020204030204" pitchFamily="49" charset="0"/>
+              </a:rPr>
+              <a:t>MyVendor.mysdkpack.1.0.0.pack</a:t>
+            </a:r>
+            <a:endParaRPr lang="en-GB" dirty="0">
+              <a:solidFill>
+                <a:schemeClr val="bg1"/>
+              </a:solidFill>
+              <a:latin typeface="Consolas" panose="020B0609020204030204" pitchFamily="49" charset="0"/>
+            </a:endParaRPr>
+          </a:p>
+        </p:txBody>
+      </p:sp>
+    </p:spTree>
+    <p:extLst>
+      <p:ext uri="{BB962C8B-B14F-4D97-AF65-F5344CB8AC3E}">
+        <p14:creationId xmlns:p14="http://schemas.microsoft.com/office/powerpoint/2010/main" val="1946276867"/>
+      </p:ext>
+    </p:extLst>
+  </p:cSld>
+  <p:clrMapOvr>
+    <a:masterClrMapping/>
+  </p:clrMapOvr>
+</p:sld>
+</file>
+
 <file path=ppt/theme/theme1.xml><?xml version="1.0" encoding="utf-8"?>
 <a:theme xmlns:a="http://schemas.openxmlformats.org/drawingml/2006/main" name="Office Theme">
   <a:themeElements>
